--- a/プラットフォーム開発.pptx
+++ b/プラットフォーム開発.pptx
@@ -6,6 +6,11 @@
   </p:sldMasterIdLst>
   <p:sldIdLst>
     <p:sldId id="256" r:id="rId2"/>
+    <p:sldId id="257" r:id="rId3"/>
+    <p:sldId id="258" r:id="rId4"/>
+    <p:sldId id="260" r:id="rId5"/>
+    <p:sldId id="261" r:id="rId6"/>
+    <p:sldId id="262" r:id="rId7"/>
   </p:sldIdLst>
   <p:sldSz cx="12192000" cy="6858000"/>
   <p:notesSz cx="6858000" cy="9144000"/>
@@ -104,7 +109,187 @@
       </a:defRPr>
     </a:lvl9pPr>
   </p:defaultTextStyle>
+  <p:extLst>
+    <p:ext uri="{EFAFB233-063F-42B5-8137-9DF3F51BA10A}">
+      <p15:sldGuideLst xmlns:p15="http://schemas.microsoft.com/office/powerpoint/2012/main"/>
+    </p:ext>
+  </p:extLst>
 </p:presentation>
+</file>
+
+<file path=ppt/changesInfos/changesInfo1.xml><?xml version="1.0" encoding="utf-8"?>
+<pc:chgInfo xmlns:a="http://schemas.openxmlformats.org/drawingml/2006/main" xmlns:r="http://schemas.openxmlformats.org/officeDocument/2006/relationships" xmlns:ac="http://schemas.microsoft.com/office/drawing/2013/main/command" xmlns:pc="http://schemas.microsoft.com/office/powerpoint/2013/main/command">
+  <pc:docChgLst>
+    <pc:chgData name="郁充 佐藤" userId="81441f3995e39a66" providerId="LiveId" clId="{A6CE8624-4C56-4850-B28F-D3BB039CDD9B}"/>
+    <pc:docChg chg="addSld delSld modSld sldOrd">
+      <pc:chgData name="郁充 佐藤" userId="81441f3995e39a66" providerId="LiveId" clId="{A6CE8624-4C56-4850-B28F-D3BB039CDD9B}" dt="2024-01-23T12:55:29.424" v="1847" actId="20577"/>
+      <pc:docMkLst>
+        <pc:docMk/>
+      </pc:docMkLst>
+      <pc:sldChg chg="modSp mod">
+        <pc:chgData name="郁充 佐藤" userId="81441f3995e39a66" providerId="LiveId" clId="{A6CE8624-4C56-4850-B28F-D3BB039CDD9B}" dt="2024-01-23T10:05:48.837" v="32" actId="20577"/>
+        <pc:sldMkLst>
+          <pc:docMk/>
+          <pc:sldMk cId="3029786887" sldId="256"/>
+        </pc:sldMkLst>
+        <pc:spChg chg="mod">
+          <ac:chgData name="郁充 佐藤" userId="81441f3995e39a66" providerId="LiveId" clId="{A6CE8624-4C56-4850-B28F-D3BB039CDD9B}" dt="2024-01-23T10:05:45.076" v="25" actId="20577"/>
+          <ac:spMkLst>
+            <pc:docMk/>
+            <pc:sldMk cId="3029786887" sldId="256"/>
+            <ac:spMk id="2" creationId="{B2BC7D97-7E9C-10F6-6B93-D29D5A1B872D}"/>
+          </ac:spMkLst>
+        </pc:spChg>
+        <pc:spChg chg="mod">
+          <ac:chgData name="郁充 佐藤" userId="81441f3995e39a66" providerId="LiveId" clId="{A6CE8624-4C56-4850-B28F-D3BB039CDD9B}" dt="2024-01-23T10:05:48.837" v="32" actId="20577"/>
+          <ac:spMkLst>
+            <pc:docMk/>
+            <pc:sldMk cId="3029786887" sldId="256"/>
+            <ac:spMk id="3" creationId="{D11C3FCD-4424-C56F-66CF-96CC90918372}"/>
+          </ac:spMkLst>
+        </pc:spChg>
+      </pc:sldChg>
+      <pc:sldChg chg="modSp new mod">
+        <pc:chgData name="郁充 佐藤" userId="81441f3995e39a66" providerId="LiveId" clId="{A6CE8624-4C56-4850-B28F-D3BB039CDD9B}" dt="2024-01-23T11:22:13.757" v="321" actId="20577"/>
+        <pc:sldMkLst>
+          <pc:docMk/>
+          <pc:sldMk cId="1861365426" sldId="257"/>
+        </pc:sldMkLst>
+        <pc:spChg chg="mod">
+          <ac:chgData name="郁充 佐藤" userId="81441f3995e39a66" providerId="LiveId" clId="{A6CE8624-4C56-4850-B28F-D3BB039CDD9B}" dt="2024-01-23T10:07:00.874" v="45" actId="20577"/>
+          <ac:spMkLst>
+            <pc:docMk/>
+            <pc:sldMk cId="1861365426" sldId="257"/>
+            <ac:spMk id="2" creationId="{5AB2A96E-7FE1-CBEF-F233-E9E4CD0098B0}"/>
+          </ac:spMkLst>
+        </pc:spChg>
+        <pc:spChg chg="mod">
+          <ac:chgData name="郁充 佐藤" userId="81441f3995e39a66" providerId="LiveId" clId="{A6CE8624-4C56-4850-B28F-D3BB039CDD9B}" dt="2024-01-23T11:22:13.757" v="321" actId="20577"/>
+          <ac:spMkLst>
+            <pc:docMk/>
+            <pc:sldMk cId="1861365426" sldId="257"/>
+            <ac:spMk id="3" creationId="{DD941E23-4B08-8FC3-0820-533633BD65B4}"/>
+          </ac:spMkLst>
+        </pc:spChg>
+      </pc:sldChg>
+      <pc:sldChg chg="modSp new mod">
+        <pc:chgData name="郁充 佐藤" userId="81441f3995e39a66" providerId="LiveId" clId="{A6CE8624-4C56-4850-B28F-D3BB039CDD9B}" dt="2024-01-23T12:46:36.834" v="1091" actId="5793"/>
+        <pc:sldMkLst>
+          <pc:docMk/>
+          <pc:sldMk cId="3161693397" sldId="258"/>
+        </pc:sldMkLst>
+        <pc:spChg chg="mod">
+          <ac:chgData name="郁充 佐藤" userId="81441f3995e39a66" providerId="LiveId" clId="{A6CE8624-4C56-4850-B28F-D3BB039CDD9B}" dt="2024-01-23T12:25:56.083" v="508" actId="20577"/>
+          <ac:spMkLst>
+            <pc:docMk/>
+            <pc:sldMk cId="3161693397" sldId="258"/>
+            <ac:spMk id="2" creationId="{13241602-2C82-A62E-618D-044C9BB31A81}"/>
+          </ac:spMkLst>
+        </pc:spChg>
+        <pc:spChg chg="mod">
+          <ac:chgData name="郁充 佐藤" userId="81441f3995e39a66" providerId="LiveId" clId="{A6CE8624-4C56-4850-B28F-D3BB039CDD9B}" dt="2024-01-23T12:46:36.834" v="1091" actId="5793"/>
+          <ac:spMkLst>
+            <pc:docMk/>
+            <pc:sldMk cId="3161693397" sldId="258"/>
+            <ac:spMk id="3" creationId="{027F5A4E-044E-37FB-9594-561D937BA089}"/>
+          </ac:spMkLst>
+        </pc:spChg>
+      </pc:sldChg>
+      <pc:sldChg chg="modSp new del mod ord">
+        <pc:chgData name="郁充 佐藤" userId="81441f3995e39a66" providerId="LiveId" clId="{A6CE8624-4C56-4850-B28F-D3BB039CDD9B}" dt="2024-01-23T11:19:30.508" v="173" actId="2696"/>
+        <pc:sldMkLst>
+          <pc:docMk/>
+          <pc:sldMk cId="949641334" sldId="259"/>
+        </pc:sldMkLst>
+        <pc:spChg chg="mod">
+          <ac:chgData name="郁充 佐藤" userId="81441f3995e39a66" providerId="LiveId" clId="{A6CE8624-4C56-4850-B28F-D3BB039CDD9B}" dt="2024-01-23T11:14:14.812" v="104" actId="20577"/>
+          <ac:spMkLst>
+            <pc:docMk/>
+            <pc:sldMk cId="949641334" sldId="259"/>
+            <ac:spMk id="2" creationId="{E04D3558-EFFB-F95A-3A69-3931A6804331}"/>
+          </ac:spMkLst>
+        </pc:spChg>
+        <pc:spChg chg="mod">
+          <ac:chgData name="郁充 佐藤" userId="81441f3995e39a66" providerId="LiveId" clId="{A6CE8624-4C56-4850-B28F-D3BB039CDD9B}" dt="2024-01-23T11:19:20.526" v="172" actId="20577"/>
+          <ac:spMkLst>
+            <pc:docMk/>
+            <pc:sldMk cId="949641334" sldId="259"/>
+            <ac:spMk id="3" creationId="{EEA7F3CD-F8A7-30A8-0357-DD476238FE70}"/>
+          </ac:spMkLst>
+        </pc:spChg>
+      </pc:sldChg>
+      <pc:sldChg chg="modSp new mod">
+        <pc:chgData name="郁充 佐藤" userId="81441f3995e39a66" providerId="LiveId" clId="{A6CE8624-4C56-4850-B28F-D3BB039CDD9B}" dt="2024-01-23T12:50:01.230" v="1420" actId="20577"/>
+        <pc:sldMkLst>
+          <pc:docMk/>
+          <pc:sldMk cId="2693712192" sldId="260"/>
+        </pc:sldMkLst>
+        <pc:spChg chg="mod">
+          <ac:chgData name="郁充 佐藤" userId="81441f3995e39a66" providerId="LiveId" clId="{A6CE8624-4C56-4850-B28F-D3BB039CDD9B}" dt="2024-01-23T12:26:05.940" v="535" actId="20577"/>
+          <ac:spMkLst>
+            <pc:docMk/>
+            <pc:sldMk cId="2693712192" sldId="260"/>
+            <ac:spMk id="2" creationId="{B6F91191-246B-E743-B221-DB7FA5AD78E4}"/>
+          </ac:spMkLst>
+        </pc:spChg>
+        <pc:spChg chg="mod">
+          <ac:chgData name="郁充 佐藤" userId="81441f3995e39a66" providerId="LiveId" clId="{A6CE8624-4C56-4850-B28F-D3BB039CDD9B}" dt="2024-01-23T12:50:01.230" v="1420" actId="20577"/>
+          <ac:spMkLst>
+            <pc:docMk/>
+            <pc:sldMk cId="2693712192" sldId="260"/>
+            <ac:spMk id="3" creationId="{4456360B-3F80-E76F-C23D-04E1C4A45E96}"/>
+          </ac:spMkLst>
+        </pc:spChg>
+      </pc:sldChg>
+      <pc:sldChg chg="modSp new mod">
+        <pc:chgData name="郁充 佐藤" userId="81441f3995e39a66" providerId="LiveId" clId="{A6CE8624-4C56-4850-B28F-D3BB039CDD9B}" dt="2024-01-23T12:54:29.977" v="1736" actId="20577"/>
+        <pc:sldMkLst>
+          <pc:docMk/>
+          <pc:sldMk cId="97602007" sldId="261"/>
+        </pc:sldMkLst>
+        <pc:spChg chg="mod">
+          <ac:chgData name="郁充 佐藤" userId="81441f3995e39a66" providerId="LiveId" clId="{A6CE8624-4C56-4850-B28F-D3BB039CDD9B}" dt="2024-01-23T12:26:17.876" v="579" actId="20577"/>
+          <ac:spMkLst>
+            <pc:docMk/>
+            <pc:sldMk cId="97602007" sldId="261"/>
+            <ac:spMk id="2" creationId="{D0415794-43BE-D27F-DD32-BBADAB93421F}"/>
+          </ac:spMkLst>
+        </pc:spChg>
+        <pc:spChg chg="mod">
+          <ac:chgData name="郁充 佐藤" userId="81441f3995e39a66" providerId="LiveId" clId="{A6CE8624-4C56-4850-B28F-D3BB039CDD9B}" dt="2024-01-23T12:54:29.977" v="1736" actId="20577"/>
+          <ac:spMkLst>
+            <pc:docMk/>
+            <pc:sldMk cId="97602007" sldId="261"/>
+            <ac:spMk id="3" creationId="{B7EF435F-3BC2-2241-2068-8ED2F6DF8B66}"/>
+          </ac:spMkLst>
+        </pc:spChg>
+      </pc:sldChg>
+      <pc:sldChg chg="modSp new mod">
+        <pc:chgData name="郁充 佐藤" userId="81441f3995e39a66" providerId="LiveId" clId="{A6CE8624-4C56-4850-B28F-D3BB039CDD9B}" dt="2024-01-23T12:55:29.424" v="1847" actId="20577"/>
+        <pc:sldMkLst>
+          <pc:docMk/>
+          <pc:sldMk cId="3622140742" sldId="262"/>
+        </pc:sldMkLst>
+        <pc:spChg chg="mod">
+          <ac:chgData name="郁充 佐藤" userId="81441f3995e39a66" providerId="LiveId" clId="{A6CE8624-4C56-4850-B28F-D3BB039CDD9B}" dt="2024-01-23T12:26:29.907" v="616" actId="20577"/>
+          <ac:spMkLst>
+            <pc:docMk/>
+            <pc:sldMk cId="3622140742" sldId="262"/>
+            <ac:spMk id="2" creationId="{892892EC-B549-9424-8C5C-5B2352A8B62E}"/>
+          </ac:spMkLst>
+        </pc:spChg>
+        <pc:spChg chg="mod">
+          <ac:chgData name="郁充 佐藤" userId="81441f3995e39a66" providerId="LiveId" clId="{A6CE8624-4C56-4850-B28F-D3BB039CDD9B}" dt="2024-01-23T12:55:29.424" v="1847" actId="20577"/>
+          <ac:spMkLst>
+            <pc:docMk/>
+            <pc:sldMk cId="3622140742" sldId="262"/>
+            <ac:spMk id="3" creationId="{C0FD036C-D7EA-BCD9-C21B-B2AD3E630188}"/>
+          </ac:spMkLst>
+        </pc:spChg>
+      </pc:sldChg>
+    </pc:docChg>
+  </pc:docChgLst>
+</pc:chgInfo>
 </file>
 
 <file path=ppt/slideLayouts/slideLayout1.xml><?xml version="1.0" encoding="utf-8"?>
@@ -254,7 +439,7 @@
           <a:p>
             <a:fld id="{574A961B-8ECB-4BF0-87E6-CD31496CA772}" type="datetimeFigureOut">
               <a:rPr kumimoji="1" lang="ja-JP" altLang="en-US" smtClean="0"/>
-              <a:t>2024/1/17</a:t>
+              <a:t>2024/1/23</a:t>
             </a:fld>
             <a:endParaRPr kumimoji="1" lang="ja-JP" altLang="en-US"/>
           </a:p>
@@ -484,7 +669,7 @@
           <a:p>
             <a:fld id="{574A961B-8ECB-4BF0-87E6-CD31496CA772}" type="datetimeFigureOut">
               <a:rPr kumimoji="1" lang="ja-JP" altLang="en-US" smtClean="0"/>
-              <a:t>2024/1/17</a:t>
+              <a:t>2024/1/23</a:t>
             </a:fld>
             <a:endParaRPr kumimoji="1" lang="ja-JP" altLang="en-US"/>
           </a:p>
@@ -724,7 +909,7 @@
           <a:p>
             <a:fld id="{574A961B-8ECB-4BF0-87E6-CD31496CA772}" type="datetimeFigureOut">
               <a:rPr kumimoji="1" lang="ja-JP" altLang="en-US" smtClean="0"/>
-              <a:t>2024/1/17</a:t>
+              <a:t>2024/1/23</a:t>
             </a:fld>
             <a:endParaRPr kumimoji="1" lang="ja-JP" altLang="en-US"/>
           </a:p>
@@ -954,7 +1139,7 @@
           <a:p>
             <a:fld id="{574A961B-8ECB-4BF0-87E6-CD31496CA772}" type="datetimeFigureOut">
               <a:rPr kumimoji="1" lang="ja-JP" altLang="en-US" smtClean="0"/>
-              <a:t>2024/1/17</a:t>
+              <a:t>2024/1/23</a:t>
             </a:fld>
             <a:endParaRPr kumimoji="1" lang="ja-JP" altLang="en-US"/>
           </a:p>
@@ -1229,7 +1414,7 @@
           <a:p>
             <a:fld id="{574A961B-8ECB-4BF0-87E6-CD31496CA772}" type="datetimeFigureOut">
               <a:rPr kumimoji="1" lang="ja-JP" altLang="en-US" smtClean="0"/>
-              <a:t>2024/1/17</a:t>
+              <a:t>2024/1/23</a:t>
             </a:fld>
             <a:endParaRPr kumimoji="1" lang="ja-JP" altLang="en-US"/>
           </a:p>
@@ -1558,7 +1743,7 @@
           <a:p>
             <a:fld id="{574A961B-8ECB-4BF0-87E6-CD31496CA772}" type="datetimeFigureOut">
               <a:rPr kumimoji="1" lang="ja-JP" altLang="en-US" smtClean="0"/>
-              <a:t>2024/1/17</a:t>
+              <a:t>2024/1/23</a:t>
             </a:fld>
             <a:endParaRPr kumimoji="1" lang="ja-JP" altLang="en-US"/>
           </a:p>
@@ -2034,7 +2219,7 @@
           <a:p>
             <a:fld id="{574A961B-8ECB-4BF0-87E6-CD31496CA772}" type="datetimeFigureOut">
               <a:rPr kumimoji="1" lang="ja-JP" altLang="en-US" smtClean="0"/>
-              <a:t>2024/1/17</a:t>
+              <a:t>2024/1/23</a:t>
             </a:fld>
             <a:endParaRPr kumimoji="1" lang="ja-JP" altLang="en-US"/>
           </a:p>
@@ -2175,7 +2360,7 @@
           <a:p>
             <a:fld id="{574A961B-8ECB-4BF0-87E6-CD31496CA772}" type="datetimeFigureOut">
               <a:rPr kumimoji="1" lang="ja-JP" altLang="en-US" smtClean="0"/>
-              <a:t>2024/1/17</a:t>
+              <a:t>2024/1/23</a:t>
             </a:fld>
             <a:endParaRPr kumimoji="1" lang="ja-JP" altLang="en-US"/>
           </a:p>
@@ -2288,7 +2473,7 @@
           <a:p>
             <a:fld id="{574A961B-8ECB-4BF0-87E6-CD31496CA772}" type="datetimeFigureOut">
               <a:rPr kumimoji="1" lang="ja-JP" altLang="en-US" smtClean="0"/>
-              <a:t>2024/1/17</a:t>
+              <a:t>2024/1/23</a:t>
             </a:fld>
             <a:endParaRPr kumimoji="1" lang="ja-JP" altLang="en-US"/>
           </a:p>
@@ -2631,7 +2816,7 @@
           <a:p>
             <a:fld id="{574A961B-8ECB-4BF0-87E6-CD31496CA772}" type="datetimeFigureOut">
               <a:rPr kumimoji="1" lang="ja-JP" altLang="en-US" smtClean="0"/>
-              <a:t>2024/1/17</a:t>
+              <a:t>2024/1/23</a:t>
             </a:fld>
             <a:endParaRPr kumimoji="1" lang="ja-JP" altLang="en-US"/>
           </a:p>
@@ -2919,7 +3104,7 @@
           <a:p>
             <a:fld id="{574A961B-8ECB-4BF0-87E6-CD31496CA772}" type="datetimeFigureOut">
               <a:rPr kumimoji="1" lang="ja-JP" altLang="en-US" smtClean="0"/>
-              <a:t>2024/1/17</a:t>
+              <a:t>2024/1/23</a:t>
             </a:fld>
             <a:endParaRPr kumimoji="1" lang="ja-JP" altLang="en-US"/>
           </a:p>
@@ -3192,7 +3377,7 @@
           <a:p>
             <a:fld id="{574A961B-8ECB-4BF0-87E6-CD31496CA772}" type="datetimeFigureOut">
               <a:rPr kumimoji="1" lang="ja-JP" altLang="en-US" smtClean="0"/>
-              <a:t>2024/1/17</a:t>
+              <a:t>2024/1/23</a:t>
             </a:fld>
             <a:endParaRPr kumimoji="1" lang="ja-JP" altLang="en-US"/>
           </a:p>
@@ -3631,9 +3816,10 @@
           <a:lstStyle/>
           <a:p>
             <a:r>
-              <a:rPr kumimoji="1" lang="ja-JP" altLang="en-US"/>
-              <a:t>プラットフォーム開発</a:t>
-            </a:r>
+              <a:rPr lang="ja-JP" altLang="en-US" dirty="0"/>
+              <a:t>旅行アプリ</a:t>
+            </a:r>
+            <a:endParaRPr kumimoji="1" lang="ja-JP" altLang="en-US" dirty="0"/>
           </a:p>
         </p:txBody>
       </p:sp>
@@ -3658,7 +3844,10 @@
           <a:bodyPr/>
           <a:lstStyle/>
           <a:p>
-            <a:endParaRPr kumimoji="1" lang="ja-JP" altLang="en-US"/>
+            <a:r>
+              <a:rPr kumimoji="1" lang="ja-JP" altLang="en-US" dirty="0"/>
+              <a:t>佐藤郁充</a:t>
+            </a:r>
           </a:p>
         </p:txBody>
       </p:sp>
@@ -3666,6 +3855,551 @@
     <p:extLst>
       <p:ext uri="{BB962C8B-B14F-4D97-AF65-F5344CB8AC3E}">
         <p14:creationId xmlns:p14="http://schemas.microsoft.com/office/powerpoint/2010/main" val="3029786887"/>
+      </p:ext>
+    </p:extLst>
+  </p:cSld>
+  <p:clrMapOvr>
+    <a:masterClrMapping/>
+  </p:clrMapOvr>
+</p:sld>
+</file>
+
+<file path=ppt/slides/slide2.xml><?xml version="1.0" encoding="utf-8"?>
+<p:sld xmlns:a="http://schemas.openxmlformats.org/drawingml/2006/main" xmlns:r="http://schemas.openxmlformats.org/officeDocument/2006/relationships" xmlns:p="http://schemas.openxmlformats.org/presentationml/2006/main">
+  <p:cSld>
+    <p:spTree>
+      <p:nvGrpSpPr>
+        <p:cNvPr id="1" name=""/>
+        <p:cNvGrpSpPr/>
+        <p:nvPr/>
+      </p:nvGrpSpPr>
+      <p:grpSpPr>
+        <a:xfrm>
+          <a:off x="0" y="0"/>
+          <a:ext cx="0" cy="0"/>
+          <a:chOff x="0" y="0"/>
+          <a:chExt cx="0" cy="0"/>
+        </a:xfrm>
+      </p:grpSpPr>
+      <p:sp>
+        <p:nvSpPr>
+          <p:cNvPr id="2" name="タイトル 1">
+            <a:extLst>
+              <a:ext uri="{FF2B5EF4-FFF2-40B4-BE49-F238E27FC236}">
+                <a16:creationId xmlns:a16="http://schemas.microsoft.com/office/drawing/2014/main" id="{5AB2A96E-7FE1-CBEF-F233-E9E4CD0098B0}"/>
+              </a:ext>
+            </a:extLst>
+          </p:cNvPr>
+          <p:cNvSpPr>
+            <a:spLocks noGrp="1"/>
+          </p:cNvSpPr>
+          <p:nvPr>
+            <p:ph type="title"/>
+          </p:nvPr>
+        </p:nvSpPr>
+        <p:spPr/>
+        <p:txBody>
+          <a:bodyPr/>
+          <a:lstStyle/>
+          <a:p>
+            <a:r>
+              <a:rPr kumimoji="1" lang="ja-JP" altLang="en-US" dirty="0"/>
+              <a:t>アプリ概要</a:t>
+            </a:r>
+          </a:p>
+        </p:txBody>
+      </p:sp>
+      <p:sp>
+        <p:nvSpPr>
+          <p:cNvPr id="3" name="コンテンツ プレースホルダー 2">
+            <a:extLst>
+              <a:ext uri="{FF2B5EF4-FFF2-40B4-BE49-F238E27FC236}">
+                <a16:creationId xmlns:a16="http://schemas.microsoft.com/office/drawing/2014/main" id="{DD941E23-4B08-8FC3-0820-533633BD65B4}"/>
+              </a:ext>
+            </a:extLst>
+          </p:cNvPr>
+          <p:cNvSpPr>
+            <a:spLocks noGrp="1"/>
+          </p:cNvSpPr>
+          <p:nvPr>
+            <p:ph idx="1"/>
+          </p:nvPr>
+        </p:nvSpPr>
+        <p:spPr/>
+        <p:txBody>
+          <a:bodyPr/>
+          <a:lstStyle/>
+          <a:p>
+            <a:r>
+              <a:rPr kumimoji="1" lang="ja-JP" altLang="en-US" dirty="0"/>
+              <a:t>手軽に地域ごとのツアーを予約できるアプリ</a:t>
+            </a:r>
+            <a:endParaRPr kumimoji="1" lang="en-US" altLang="ja-JP" dirty="0"/>
+          </a:p>
+          <a:p>
+            <a:endParaRPr lang="en-US" altLang="ja-JP" dirty="0"/>
+          </a:p>
+          <a:p>
+            <a:r>
+              <a:rPr kumimoji="1" lang="ja-JP" altLang="en-US" dirty="0"/>
+              <a:t>ツアーも人気のものをピックアップしているため選びやすい</a:t>
+            </a:r>
+          </a:p>
+        </p:txBody>
+      </p:sp>
+    </p:spTree>
+    <p:extLst>
+      <p:ext uri="{BB962C8B-B14F-4D97-AF65-F5344CB8AC3E}">
+        <p14:creationId xmlns:p14="http://schemas.microsoft.com/office/powerpoint/2010/main" val="1861365426"/>
+      </p:ext>
+    </p:extLst>
+  </p:cSld>
+  <p:clrMapOvr>
+    <a:masterClrMapping/>
+  </p:clrMapOvr>
+</p:sld>
+</file>
+
+<file path=ppt/slides/slide3.xml><?xml version="1.0" encoding="utf-8"?>
+<p:sld xmlns:a="http://schemas.openxmlformats.org/drawingml/2006/main" xmlns:r="http://schemas.openxmlformats.org/officeDocument/2006/relationships" xmlns:p="http://schemas.openxmlformats.org/presentationml/2006/main">
+  <p:cSld>
+    <p:spTree>
+      <p:nvGrpSpPr>
+        <p:cNvPr id="1" name=""/>
+        <p:cNvGrpSpPr/>
+        <p:nvPr/>
+      </p:nvGrpSpPr>
+      <p:grpSpPr>
+        <a:xfrm>
+          <a:off x="0" y="0"/>
+          <a:ext cx="0" cy="0"/>
+          <a:chOff x="0" y="0"/>
+          <a:chExt cx="0" cy="0"/>
+        </a:xfrm>
+      </p:grpSpPr>
+      <p:sp>
+        <p:nvSpPr>
+          <p:cNvPr id="2" name="タイトル 1">
+            <a:extLst>
+              <a:ext uri="{FF2B5EF4-FFF2-40B4-BE49-F238E27FC236}">
+                <a16:creationId xmlns:a16="http://schemas.microsoft.com/office/drawing/2014/main" id="{13241602-2C82-A62E-618D-044C9BB31A81}"/>
+              </a:ext>
+            </a:extLst>
+          </p:cNvPr>
+          <p:cNvSpPr>
+            <a:spLocks noGrp="1"/>
+          </p:cNvSpPr>
+          <p:nvPr>
+            <p:ph type="title"/>
+          </p:nvPr>
+        </p:nvSpPr>
+        <p:spPr/>
+        <p:txBody>
+          <a:bodyPr/>
+          <a:lstStyle/>
+          <a:p>
+            <a:r>
+              <a:rPr lang="ja-JP" altLang="en-US" dirty="0"/>
+              <a:t>地域を選択する画面</a:t>
+            </a:r>
+            <a:endParaRPr kumimoji="1" lang="ja-JP" altLang="en-US" dirty="0"/>
+          </a:p>
+        </p:txBody>
+      </p:sp>
+      <p:sp>
+        <p:nvSpPr>
+          <p:cNvPr id="3" name="コンテンツ プレースホルダー 2">
+            <a:extLst>
+              <a:ext uri="{FF2B5EF4-FFF2-40B4-BE49-F238E27FC236}">
+                <a16:creationId xmlns:a16="http://schemas.microsoft.com/office/drawing/2014/main" id="{027F5A4E-044E-37FB-9594-561D937BA089}"/>
+              </a:ext>
+            </a:extLst>
+          </p:cNvPr>
+          <p:cNvSpPr>
+            <a:spLocks noGrp="1"/>
+          </p:cNvSpPr>
+          <p:nvPr>
+            <p:ph idx="1"/>
+          </p:nvPr>
+        </p:nvSpPr>
+        <p:spPr/>
+        <p:txBody>
+          <a:bodyPr/>
+          <a:lstStyle/>
+          <a:p>
+            <a:r>
+              <a:rPr kumimoji="1" lang="ja-JP" altLang="en-US" dirty="0"/>
+              <a:t>今回は地域数をわかりやすくするために北海道のみに限定</a:t>
+            </a:r>
+            <a:endParaRPr kumimoji="1" lang="en-US" altLang="ja-JP" dirty="0"/>
+          </a:p>
+          <a:p>
+            <a:endParaRPr lang="en-US" altLang="ja-JP" dirty="0"/>
+          </a:p>
+          <a:p>
+            <a:r>
+              <a:rPr kumimoji="1" lang="ja-JP" altLang="en-US" dirty="0"/>
+              <a:t>道南、道央、道北、道東の４地域</a:t>
+            </a:r>
+            <a:endParaRPr kumimoji="1" lang="en-US" altLang="ja-JP" dirty="0"/>
+          </a:p>
+          <a:p>
+            <a:endParaRPr lang="en-US" altLang="ja-JP" dirty="0"/>
+          </a:p>
+          <a:p>
+            <a:r>
+              <a:rPr kumimoji="1" lang="ja-JP" altLang="en-US" dirty="0"/>
+              <a:t>ボタンを押すと次の画面に遷移する</a:t>
+            </a:r>
+            <a:endParaRPr kumimoji="1" lang="en-US" altLang="ja-JP" dirty="0"/>
+          </a:p>
+          <a:p>
+            <a:endParaRPr lang="en-US" altLang="ja-JP" dirty="0"/>
+          </a:p>
+          <a:p>
+            <a:pPr marL="0" indent="0">
+              <a:buNone/>
+            </a:pPr>
+            <a:endParaRPr kumimoji="1" lang="en-US" altLang="ja-JP" dirty="0"/>
+          </a:p>
+          <a:p>
+            <a:pPr marL="0" indent="0">
+              <a:buNone/>
+            </a:pPr>
+            <a:endParaRPr lang="en-US" altLang="ja-JP" dirty="0"/>
+          </a:p>
+          <a:p>
+            <a:pPr marL="0" indent="0">
+              <a:buNone/>
+            </a:pPr>
+            <a:endParaRPr kumimoji="1" lang="en-US" altLang="ja-JP" dirty="0"/>
+          </a:p>
+          <a:p>
+            <a:pPr marL="0" indent="0">
+              <a:buNone/>
+            </a:pPr>
+            <a:endParaRPr lang="en-US" altLang="ja-JP" dirty="0"/>
+          </a:p>
+          <a:p>
+            <a:pPr marL="0" indent="0">
+              <a:buNone/>
+            </a:pPr>
+            <a:endParaRPr kumimoji="1" lang="ja-JP" altLang="en-US" dirty="0"/>
+          </a:p>
+        </p:txBody>
+      </p:sp>
+    </p:spTree>
+    <p:extLst>
+      <p:ext uri="{BB962C8B-B14F-4D97-AF65-F5344CB8AC3E}">
+        <p14:creationId xmlns:p14="http://schemas.microsoft.com/office/powerpoint/2010/main" val="3161693397"/>
+      </p:ext>
+    </p:extLst>
+  </p:cSld>
+  <p:clrMapOvr>
+    <a:masterClrMapping/>
+  </p:clrMapOvr>
+</p:sld>
+</file>
+
+<file path=ppt/slides/slide4.xml><?xml version="1.0" encoding="utf-8"?>
+<p:sld xmlns:a="http://schemas.openxmlformats.org/drawingml/2006/main" xmlns:r="http://schemas.openxmlformats.org/officeDocument/2006/relationships" xmlns:p="http://schemas.openxmlformats.org/presentationml/2006/main">
+  <p:cSld>
+    <p:spTree>
+      <p:nvGrpSpPr>
+        <p:cNvPr id="1" name=""/>
+        <p:cNvGrpSpPr/>
+        <p:nvPr/>
+      </p:nvGrpSpPr>
+      <p:grpSpPr>
+        <a:xfrm>
+          <a:off x="0" y="0"/>
+          <a:ext cx="0" cy="0"/>
+          <a:chOff x="0" y="0"/>
+          <a:chExt cx="0" cy="0"/>
+        </a:xfrm>
+      </p:grpSpPr>
+      <p:sp>
+        <p:nvSpPr>
+          <p:cNvPr id="2" name="タイトル 1">
+            <a:extLst>
+              <a:ext uri="{FF2B5EF4-FFF2-40B4-BE49-F238E27FC236}">
+                <a16:creationId xmlns:a16="http://schemas.microsoft.com/office/drawing/2014/main" id="{B6F91191-246B-E743-B221-DB7FA5AD78E4}"/>
+              </a:ext>
+            </a:extLst>
+          </p:cNvPr>
+          <p:cNvSpPr>
+            <a:spLocks noGrp="1"/>
+          </p:cNvSpPr>
+          <p:nvPr>
+            <p:ph type="title"/>
+          </p:nvPr>
+        </p:nvSpPr>
+        <p:spPr/>
+        <p:txBody>
+          <a:bodyPr/>
+          <a:lstStyle/>
+          <a:p>
+            <a:r>
+              <a:rPr kumimoji="1" lang="ja-JP" altLang="en-US" dirty="0"/>
+              <a:t>ツアーを選択する画面</a:t>
+            </a:r>
+          </a:p>
+        </p:txBody>
+      </p:sp>
+      <p:sp>
+        <p:nvSpPr>
+          <p:cNvPr id="3" name="コンテンツ プレースホルダー 2">
+            <a:extLst>
+              <a:ext uri="{FF2B5EF4-FFF2-40B4-BE49-F238E27FC236}">
+                <a16:creationId xmlns:a16="http://schemas.microsoft.com/office/drawing/2014/main" id="{4456360B-3F80-E76F-C23D-04E1C4A45E96}"/>
+              </a:ext>
+            </a:extLst>
+          </p:cNvPr>
+          <p:cNvSpPr>
+            <a:spLocks noGrp="1"/>
+          </p:cNvSpPr>
+          <p:nvPr>
+            <p:ph idx="1"/>
+          </p:nvPr>
+        </p:nvSpPr>
+        <p:spPr/>
+        <p:txBody>
+          <a:bodyPr/>
+          <a:lstStyle/>
+          <a:p>
+            <a:r>
+              <a:rPr kumimoji="1" lang="ja-JP" altLang="en-US" dirty="0"/>
+              <a:t>それぞれの地域ごとのツアーを選択できる</a:t>
+            </a:r>
+            <a:endParaRPr kumimoji="1" lang="en-US" altLang="ja-JP" dirty="0"/>
+          </a:p>
+          <a:p>
+            <a:endParaRPr lang="en-US" altLang="ja-JP" dirty="0"/>
+          </a:p>
+          <a:p>
+            <a:r>
+              <a:rPr lang="ja-JP" altLang="en-US" dirty="0"/>
+              <a:t>ツアーの画像と説明文を縦に並べて表示し、ボタンを押すことで日付を選択する画面に遷移する</a:t>
+            </a:r>
+            <a:endParaRPr lang="en-US" altLang="ja-JP" dirty="0"/>
+          </a:p>
+          <a:p>
+            <a:endParaRPr lang="en-US" altLang="ja-JP" dirty="0"/>
+          </a:p>
+          <a:p>
+            <a:r>
+              <a:rPr lang="ja-JP" altLang="en-US" dirty="0"/>
+              <a:t>それぞれのツアーごとにボタンを表示したかったが、エラーが起きたためできていない</a:t>
+            </a:r>
+            <a:endParaRPr lang="en-US" altLang="ja-JP" dirty="0"/>
+          </a:p>
+          <a:p>
+            <a:endParaRPr kumimoji="1" lang="en-US" altLang="ja-JP" dirty="0"/>
+          </a:p>
+          <a:p>
+            <a:endParaRPr kumimoji="1" lang="ja-JP" altLang="en-US" dirty="0"/>
+          </a:p>
+        </p:txBody>
+      </p:sp>
+    </p:spTree>
+    <p:extLst>
+      <p:ext uri="{BB962C8B-B14F-4D97-AF65-F5344CB8AC3E}">
+        <p14:creationId xmlns:p14="http://schemas.microsoft.com/office/powerpoint/2010/main" val="2693712192"/>
+      </p:ext>
+    </p:extLst>
+  </p:cSld>
+  <p:clrMapOvr>
+    <a:masterClrMapping/>
+  </p:clrMapOvr>
+</p:sld>
+</file>
+
+<file path=ppt/slides/slide5.xml><?xml version="1.0" encoding="utf-8"?>
+<p:sld xmlns:a="http://schemas.openxmlformats.org/drawingml/2006/main" xmlns:r="http://schemas.openxmlformats.org/officeDocument/2006/relationships" xmlns:p="http://schemas.openxmlformats.org/presentationml/2006/main">
+  <p:cSld>
+    <p:spTree>
+      <p:nvGrpSpPr>
+        <p:cNvPr id="1" name=""/>
+        <p:cNvGrpSpPr/>
+        <p:nvPr/>
+      </p:nvGrpSpPr>
+      <p:grpSpPr>
+        <a:xfrm>
+          <a:off x="0" y="0"/>
+          <a:ext cx="0" cy="0"/>
+          <a:chOff x="0" y="0"/>
+          <a:chExt cx="0" cy="0"/>
+        </a:xfrm>
+      </p:grpSpPr>
+      <p:sp>
+        <p:nvSpPr>
+          <p:cNvPr id="2" name="タイトル 1">
+            <a:extLst>
+              <a:ext uri="{FF2B5EF4-FFF2-40B4-BE49-F238E27FC236}">
+                <a16:creationId xmlns:a16="http://schemas.microsoft.com/office/drawing/2014/main" id="{D0415794-43BE-D27F-DD32-BBADAB93421F}"/>
+              </a:ext>
+            </a:extLst>
+          </p:cNvPr>
+          <p:cNvSpPr>
+            <a:spLocks noGrp="1"/>
+          </p:cNvSpPr>
+          <p:nvPr>
+            <p:ph type="title"/>
+          </p:nvPr>
+        </p:nvSpPr>
+        <p:spPr/>
+        <p:txBody>
+          <a:bodyPr/>
+          <a:lstStyle/>
+          <a:p>
+            <a:r>
+              <a:rPr lang="ja-JP" altLang="en-US" dirty="0"/>
+              <a:t>日付を選択する画面</a:t>
+            </a:r>
+            <a:endParaRPr kumimoji="1" lang="ja-JP" altLang="en-US" dirty="0"/>
+          </a:p>
+        </p:txBody>
+      </p:sp>
+      <p:sp>
+        <p:nvSpPr>
+          <p:cNvPr id="3" name="コンテンツ プレースホルダー 2">
+            <a:extLst>
+              <a:ext uri="{FF2B5EF4-FFF2-40B4-BE49-F238E27FC236}">
+                <a16:creationId xmlns:a16="http://schemas.microsoft.com/office/drawing/2014/main" id="{B7EF435F-3BC2-2241-2068-8ED2F6DF8B66}"/>
+              </a:ext>
+            </a:extLst>
+          </p:cNvPr>
+          <p:cNvSpPr>
+            <a:spLocks noGrp="1"/>
+          </p:cNvSpPr>
+          <p:nvPr>
+            <p:ph idx="1"/>
+          </p:nvPr>
+        </p:nvSpPr>
+        <p:spPr/>
+        <p:txBody>
+          <a:bodyPr/>
+          <a:lstStyle/>
+          <a:p>
+            <a:r>
+              <a:rPr kumimoji="1" lang="ja-JP" altLang="en-US" dirty="0"/>
+              <a:t>２年先までのカレンダーを表示して日付を選択できる</a:t>
+            </a:r>
+            <a:endParaRPr kumimoji="1" lang="en-US" altLang="ja-JP" dirty="0"/>
+          </a:p>
+          <a:p>
+            <a:endParaRPr lang="en-US" altLang="ja-JP" dirty="0"/>
+          </a:p>
+          <a:p>
+            <a:r>
+              <a:rPr kumimoji="1" lang="ja-JP" altLang="en-US" dirty="0"/>
+              <a:t>日付を押すと選択され、予約完了画面に遷移するようにしたかったが、エラーによりカレンダーが表示されないためできていない</a:t>
+            </a:r>
+          </a:p>
+        </p:txBody>
+      </p:sp>
+    </p:spTree>
+    <p:extLst>
+      <p:ext uri="{BB962C8B-B14F-4D97-AF65-F5344CB8AC3E}">
+        <p14:creationId xmlns:p14="http://schemas.microsoft.com/office/powerpoint/2010/main" val="97602007"/>
+      </p:ext>
+    </p:extLst>
+  </p:cSld>
+  <p:clrMapOvr>
+    <a:masterClrMapping/>
+  </p:clrMapOvr>
+</p:sld>
+</file>
+
+<file path=ppt/slides/slide6.xml><?xml version="1.0" encoding="utf-8"?>
+<p:sld xmlns:a="http://schemas.openxmlformats.org/drawingml/2006/main" xmlns:r="http://schemas.openxmlformats.org/officeDocument/2006/relationships" xmlns:p="http://schemas.openxmlformats.org/presentationml/2006/main">
+  <p:cSld>
+    <p:spTree>
+      <p:nvGrpSpPr>
+        <p:cNvPr id="1" name=""/>
+        <p:cNvGrpSpPr/>
+        <p:nvPr/>
+      </p:nvGrpSpPr>
+      <p:grpSpPr>
+        <a:xfrm>
+          <a:off x="0" y="0"/>
+          <a:ext cx="0" cy="0"/>
+          <a:chOff x="0" y="0"/>
+          <a:chExt cx="0" cy="0"/>
+        </a:xfrm>
+      </p:grpSpPr>
+      <p:sp>
+        <p:nvSpPr>
+          <p:cNvPr id="2" name="タイトル 1">
+            <a:extLst>
+              <a:ext uri="{FF2B5EF4-FFF2-40B4-BE49-F238E27FC236}">
+                <a16:creationId xmlns:a16="http://schemas.microsoft.com/office/drawing/2014/main" id="{892892EC-B549-9424-8C5C-5B2352A8B62E}"/>
+              </a:ext>
+            </a:extLst>
+          </p:cNvPr>
+          <p:cNvSpPr>
+            <a:spLocks noGrp="1"/>
+          </p:cNvSpPr>
+          <p:nvPr>
+            <p:ph type="title"/>
+          </p:nvPr>
+        </p:nvSpPr>
+        <p:spPr/>
+        <p:txBody>
+          <a:bodyPr/>
+          <a:lstStyle/>
+          <a:p>
+            <a:r>
+              <a:rPr lang="ja-JP" altLang="en-US" dirty="0"/>
+              <a:t>予約完了画面</a:t>
+            </a:r>
+            <a:endParaRPr kumimoji="1" lang="ja-JP" altLang="en-US" dirty="0"/>
+          </a:p>
+        </p:txBody>
+      </p:sp>
+      <p:sp>
+        <p:nvSpPr>
+          <p:cNvPr id="3" name="コンテンツ プレースホルダー 2">
+            <a:extLst>
+              <a:ext uri="{FF2B5EF4-FFF2-40B4-BE49-F238E27FC236}">
+                <a16:creationId xmlns:a16="http://schemas.microsoft.com/office/drawing/2014/main" id="{C0FD036C-D7EA-BCD9-C21B-B2AD3E630188}"/>
+              </a:ext>
+            </a:extLst>
+          </p:cNvPr>
+          <p:cNvSpPr>
+            <a:spLocks noGrp="1"/>
+          </p:cNvSpPr>
+          <p:nvPr>
+            <p:ph idx="1"/>
+          </p:nvPr>
+        </p:nvSpPr>
+        <p:spPr/>
+        <p:txBody>
+          <a:bodyPr/>
+          <a:lstStyle/>
+          <a:p>
+            <a:r>
+              <a:rPr kumimoji="1" lang="ja-JP" altLang="en-US" dirty="0"/>
+              <a:t>予約が完了したことを知らせる画面</a:t>
+            </a:r>
+            <a:endParaRPr kumimoji="1" lang="en-US" altLang="ja-JP" dirty="0"/>
+          </a:p>
+          <a:p>
+            <a:endParaRPr lang="en-US" altLang="ja-JP" dirty="0"/>
+          </a:p>
+          <a:p>
+            <a:r>
+              <a:rPr kumimoji="1" lang="ja-JP" altLang="en-US"/>
+              <a:t>ボタンを押すことでホームに戻る</a:t>
+            </a:r>
+            <a:endParaRPr kumimoji="1" lang="ja-JP" altLang="en-US" dirty="0"/>
+          </a:p>
+        </p:txBody>
+      </p:sp>
+    </p:spTree>
+    <p:extLst>
+      <p:ext uri="{BB962C8B-B14F-4D97-AF65-F5344CB8AC3E}">
+        <p14:creationId xmlns:p14="http://schemas.microsoft.com/office/powerpoint/2010/main" val="3622140742"/>
       </p:ext>
     </p:extLst>
   </p:cSld>
